--- a/DeckUpdate/template_deck.pptx
+++ b/DeckUpdate/template_deck.pptx
@@ -262,7 +262,7 @@
           <a:p>
             <a:fld id="{FAD80193-3864-9E40-B94F-3C4BBB6847C7}" type="datetime1">
               <a:rPr lang="en-US" smtClean="0"/>
-              <a:t>12/12/20</a:t>
+              <a:t>12/27/20</a:t>
             </a:fld>
             <a:endParaRPr lang="en-US" dirty="0"/>
           </a:p>
@@ -431,7 +431,7 @@
           <a:p>
             <a:fld id="{9468A949-E42B-CA49-90B4-62867DB2E519}" type="datetime1">
               <a:rPr lang="en-US" smtClean="0"/>
-              <a:t>12/12/20</a:t>
+              <a:t>12/27/20</a:t>
             </a:fld>
             <a:endParaRPr lang="en-US" dirty="0"/>
           </a:p>
@@ -931,7 +931,7 @@
           <a:p>
             <a:fld id="{10302D39-B686-2742-A69B-CE6D46FC9A4E}" type="datetime4">
               <a:rPr lang="en-US" smtClean="0"/>
-              <a:t>December 12, 2020</a:t>
+              <a:t>December 27, 2020</a:t>
             </a:fld>
             <a:endParaRPr lang="en-US" dirty="0"/>
           </a:p>
@@ -1252,7 +1252,7 @@
           <a:p>
             <a:fld id="{585AD263-A788-3145-8D38-AEBC1D444AEE}" type="datetime4">
               <a:rPr lang="en-US" smtClean="0"/>
-              <a:t>December 12, 2020</a:t>
+              <a:t>December 27, 2020</a:t>
             </a:fld>
             <a:endParaRPr lang="en-US" dirty="0"/>
           </a:p>
@@ -1542,7 +1542,7 @@
           <a:p>
             <a:fld id="{B606C5D1-9323-1B45-8355-7D55EA8EE66A}" type="datetime4">
               <a:rPr lang="en-US" smtClean="0"/>
-              <a:t>December 12, 2020</a:t>
+              <a:t>December 27, 2020</a:t>
             </a:fld>
             <a:endParaRPr lang="en-US" dirty="0"/>
           </a:p>
@@ -1790,7 +1790,7 @@
           <a:p>
             <a:fld id="{A4108F21-3CFE-3045-9ABB-E1E1413BA1A1}" type="datetime4">
               <a:rPr lang="en-US" smtClean="0"/>
-              <a:t>December 12, 2020</a:t>
+              <a:t>December 27, 2020</a:t>
             </a:fld>
             <a:endParaRPr lang="en-US" dirty="0"/>
           </a:p>
@@ -2238,7 +2238,7 @@
           <a:p>
             <a:fld id="{5EF76A7A-0506-6C4D-8382-BFC753915B9A}" type="datetime4">
               <a:rPr lang="en-US" smtClean="0"/>
-              <a:t>December 12, 2020</a:t>
+              <a:t>December 27, 2020</a:t>
             </a:fld>
             <a:endParaRPr lang="en-US" dirty="0"/>
           </a:p>
@@ -2690,7 +2690,7 @@
           <a:bodyPr/>
           <a:lstStyle/>
           <a:p>
-            <a:endParaRPr lang="en-US"/>
+            <a:endParaRPr lang="en-US" dirty="0"/>
           </a:p>
         </p:txBody>
       </p:sp>
@@ -2715,7 +2715,7 @@
           <a:bodyPr/>
           <a:lstStyle/>
           <a:p>
-            <a:endParaRPr lang="en-US"/>
+            <a:endParaRPr lang="en-US" dirty="0"/>
           </a:p>
         </p:txBody>
       </p:sp>
@@ -2742,7 +2742,7 @@
           <a:p>
             <a:fld id="{10302D39-B686-2742-A69B-CE6D46FC9A4E}" type="datetime4">
               <a:rPr lang="en-US" smtClean="0"/>
-              <a:t>December 12, 2020</a:t>
+              <a:t>December 27, 2020</a:t>
             </a:fld>
             <a:endParaRPr lang="en-US" dirty="0"/>
           </a:p>
@@ -2829,7 +2829,7 @@
           <a:bodyPr/>
           <a:lstStyle/>
           <a:p>
-            <a:endParaRPr lang="en-US"/>
+            <a:endParaRPr lang="en-US" dirty="0"/>
           </a:p>
         </p:txBody>
       </p:sp>
@@ -2851,10 +2851,14 @@
         </p:nvSpPr>
         <p:spPr/>
         <p:txBody>
-          <a:bodyPr/>
+          <a:bodyPr>
+            <a:normAutofit/>
+          </a:bodyPr>
           <a:lstStyle/>
           <a:p>
-            <a:endParaRPr lang="en-US"/>
+            <a:endParaRPr lang="en-US" sz="2000" dirty="0">
+              <a:latin typeface="Gill Sans MT" panose="020B0502020104020203" pitchFamily="34" charset="77"/>
+            </a:endParaRPr>
           </a:p>
         </p:txBody>
       </p:sp>
@@ -2881,7 +2885,7 @@
           <a:p>
             <a:fld id="{585AD263-A788-3145-8D38-AEBC1D444AEE}" type="datetime4">
               <a:rPr lang="en-US" smtClean="0"/>
-              <a:t>December 12, 2020</a:t>
+              <a:t>December 27, 2020</a:t>
             </a:fld>
             <a:endParaRPr lang="en-US" dirty="0"/>
           </a:p>
@@ -2940,8 +2944,21 @@
           <a:p>
             <a:r>
               <a:rPr lang="en-US" dirty="0"/>
-              <a:t>Source: Pension Integrity Project analysis of valuation reports and CAFRs.</a:t>
+              <a:t>Source: Pension Integrity </a:t>
             </a:r>
+            <a:r>
+              <a:rPr lang="en-US"/>
+              <a:t>Project analysis of plan’s </a:t>
+            </a:r>
+            <a:r>
+              <a:rPr lang="en-US" dirty="0"/>
+              <a:t>CAFRs and </a:t>
+            </a:r>
+            <a:r>
+              <a:rPr lang="en-US"/>
+              <a:t>Valuation Reports.</a:t>
+            </a:r>
+            <a:endParaRPr lang="en-US" dirty="0"/>
           </a:p>
         </p:txBody>
       </p:sp>

--- a/DeckUpdate/template_deck.pptx
+++ b/DeckUpdate/template_deck.pptx
@@ -262,7 +262,7 @@
           <a:p>
             <a:fld id="{FAD80193-3864-9E40-B94F-3C4BBB6847C7}" type="datetime1">
               <a:rPr lang="en-US" smtClean="0"/>
-              <a:t>12/27/20</a:t>
+              <a:t>1/7/21</a:t>
             </a:fld>
             <a:endParaRPr lang="en-US" dirty="0"/>
           </a:p>
@@ -431,7 +431,7 @@
           <a:p>
             <a:fld id="{9468A949-E42B-CA49-90B4-62867DB2E519}" type="datetime1">
               <a:rPr lang="en-US" smtClean="0"/>
-              <a:t>12/27/20</a:t>
+              <a:t>1/7/21</a:t>
             </a:fld>
             <a:endParaRPr lang="en-US" dirty="0"/>
           </a:p>
@@ -931,7 +931,7 @@
           <a:p>
             <a:fld id="{10302D39-B686-2742-A69B-CE6D46FC9A4E}" type="datetime4">
               <a:rPr lang="en-US" smtClean="0"/>
-              <a:t>December 27, 2020</a:t>
+              <a:t>January 7, 2021</a:t>
             </a:fld>
             <a:endParaRPr lang="en-US" dirty="0"/>
           </a:p>
@@ -1252,7 +1252,7 @@
           <a:p>
             <a:fld id="{585AD263-A788-3145-8D38-AEBC1D444AEE}" type="datetime4">
               <a:rPr lang="en-US" smtClean="0"/>
-              <a:t>December 27, 2020</a:t>
+              <a:t>January 7, 2021</a:t>
             </a:fld>
             <a:endParaRPr lang="en-US" dirty="0"/>
           </a:p>
@@ -1542,7 +1542,7 @@
           <a:p>
             <a:fld id="{B606C5D1-9323-1B45-8355-7D55EA8EE66A}" type="datetime4">
               <a:rPr lang="en-US" smtClean="0"/>
-              <a:t>December 27, 2020</a:t>
+              <a:t>January 7, 2021</a:t>
             </a:fld>
             <a:endParaRPr lang="en-US" dirty="0"/>
           </a:p>
@@ -1790,7 +1790,7 @@
           <a:p>
             <a:fld id="{A4108F21-3CFE-3045-9ABB-E1E1413BA1A1}" type="datetime4">
               <a:rPr lang="en-US" smtClean="0"/>
-              <a:t>December 27, 2020</a:t>
+              <a:t>January 7, 2021</a:t>
             </a:fld>
             <a:endParaRPr lang="en-US" dirty="0"/>
           </a:p>
@@ -2238,7 +2238,7 @@
           <a:p>
             <a:fld id="{5EF76A7A-0506-6C4D-8382-BFC753915B9A}" type="datetime4">
               <a:rPr lang="en-US" smtClean="0"/>
-              <a:t>December 27, 2020</a:t>
+              <a:t>January 7, 2021</a:t>
             </a:fld>
             <a:endParaRPr lang="en-US" dirty="0"/>
           </a:p>
@@ -2742,7 +2742,7 @@
           <a:p>
             <a:fld id="{10302D39-B686-2742-A69B-CE6D46FC9A4E}" type="datetime4">
               <a:rPr lang="en-US" smtClean="0"/>
-              <a:t>December 27, 2020</a:t>
+              <a:t>January 7, 2021</a:t>
             </a:fld>
             <a:endParaRPr lang="en-US" dirty="0"/>
           </a:p>
@@ -2856,7 +2856,7 @@
           </a:bodyPr>
           <a:lstStyle/>
           <a:p>
-            <a:endParaRPr lang="en-US" sz="2000" dirty="0">
+            <a:endParaRPr lang="en-US" sz="1800" dirty="0">
               <a:latin typeface="Gill Sans MT" panose="020B0502020104020203" pitchFamily="34" charset="77"/>
             </a:endParaRPr>
           </a:p>
@@ -2885,7 +2885,7 @@
           <a:p>
             <a:fld id="{585AD263-A788-3145-8D38-AEBC1D444AEE}" type="datetime4">
               <a:rPr lang="en-US" smtClean="0"/>
-              <a:t>December 27, 2020</a:t>
+              <a:t>January 7, 2021</a:t>
             </a:fld>
             <a:endParaRPr lang="en-US" dirty="0"/>
           </a:p>
@@ -2943,22 +2943,11 @@
           <a:lstStyle/>
           <a:p>
             <a:r>
-              <a:rPr lang="en-US" dirty="0"/>
-              <a:t>Source: Pension Integrity </a:t>
+              <a:rPr lang="en-US" dirty="0">
+                <a:latin typeface="Gill Sans MT" panose="020B0502020104020203" pitchFamily="34" charset="77"/>
+              </a:rPr>
+              <a:t>Source: Pension Integrity Project analysis of plan’s CAFRs and Valuation Reports.</a:t>
             </a:r>
-            <a:r>
-              <a:rPr lang="en-US"/>
-              <a:t>Project analysis of plan’s </a:t>
-            </a:r>
-            <a:r>
-              <a:rPr lang="en-US" dirty="0"/>
-              <a:t>CAFRs and </a:t>
-            </a:r>
-            <a:r>
-              <a:rPr lang="en-US"/>
-              <a:t>Valuation Reports.</a:t>
-            </a:r>
-            <a:endParaRPr lang="en-US" dirty="0"/>
           </a:p>
         </p:txBody>
       </p:sp>
